--- a/data/SPRINT_LOGO.pptx
+++ b/data/SPRINT_LOGO.pptx
@@ -3328,6 +3328,58 @@
       </p:grpSpPr>
       <p:sp>
         <p:nvSpPr>
+          <p:cNvPr id="3" name="Oval 2">
+            <a:extLst>
+              <a:ext uri="{FF2B5EF4-FFF2-40B4-BE49-F238E27FC236}">
+                <a16:creationId xmlns:a16="http://schemas.microsoft.com/office/drawing/2014/main" id="{0A7D006D-A12F-314B-A080-FF4491F39E91}"/>
+              </a:ext>
+            </a:extLst>
+          </p:cNvPr>
+          <p:cNvSpPr/>
+          <p:nvPr/>
+        </p:nvSpPr>
+        <p:spPr>
+          <a:xfrm>
+            <a:off x="2247150" y="545223"/>
+            <a:ext cx="1824182" cy="1814946"/>
+          </a:xfrm>
+          <a:prstGeom prst="ellipse">
+            <a:avLst/>
+          </a:prstGeom>
+          <a:solidFill>
+            <a:schemeClr val="bg2"/>
+          </a:solidFill>
+          <a:ln>
+            <a:noFill/>
+          </a:ln>
+        </p:spPr>
+        <p:style>
+          <a:lnRef idx="2">
+            <a:schemeClr val="accent1">
+              <a:shade val="50000"/>
+            </a:schemeClr>
+          </a:lnRef>
+          <a:fillRef idx="1">
+            <a:schemeClr val="accent1"/>
+          </a:fillRef>
+          <a:effectRef idx="0">
+            <a:schemeClr val="accent1"/>
+          </a:effectRef>
+          <a:fontRef idx="minor">
+            <a:schemeClr val="lt1"/>
+          </a:fontRef>
+        </p:style>
+        <p:txBody>
+          <a:bodyPr rtlCol="0" anchor="ctr"/>
+          <a:lstStyle/>
+          <a:p>
+            <a:pPr algn="ctr"/>
+            <a:endParaRPr lang="en-US"/>
+          </a:p>
+        </p:txBody>
+      </p:sp>
+      <p:sp>
+        <p:nvSpPr>
           <p:cNvPr id="4" name="TextBox 3">
             <a:extLst>
               <a:ext uri="{FF2B5EF4-FFF2-40B4-BE49-F238E27FC236}">
@@ -3340,7 +3392,7 @@
         </p:nvSpPr>
         <p:spPr>
           <a:xfrm>
-            <a:off x="2481786" y="1506794"/>
+            <a:off x="2481467" y="1544129"/>
             <a:ext cx="1410964" cy="584775"/>
           </a:xfrm>
           <a:prstGeom prst="rect">
@@ -3478,7 +3530,7 @@
             <a:avLst/>
           </a:prstGeom>
           <a:solidFill>
-            <a:schemeClr val="accent4"/>
+            <a:schemeClr val="accent2"/>
           </a:solidFill>
           <a:ln>
             <a:noFill/>
@@ -3505,7 +3557,11 @@
           <a:lstStyle/>
           <a:p>
             <a:pPr algn="ctr"/>
-            <a:endParaRPr lang="en-US"/>
+            <a:endParaRPr lang="en-US">
+              <a:solidFill>
+                <a:srgbClr val="FFFF00"/>
+              </a:solidFill>
+            </a:endParaRPr>
           </a:p>
         </p:txBody>
       </p:sp>
@@ -3663,7 +3719,7 @@
             <a:r>
               <a:rPr lang="en-US" altLang="zh-CN" sz="1200" dirty="0">
                 <a:solidFill>
-                  <a:schemeClr val="accent4"/>
+                  <a:schemeClr val="accent2"/>
                 </a:solidFill>
                 <a:latin typeface="Times New Roman" panose="02020603050405020304" pitchFamily="18" charset="0"/>
                 <a:cs typeface="Times New Roman" panose="02020603050405020304" pitchFamily="18" charset="0"/>
